--- a/static/ppts/AP2-1.pptx
+++ b/static/ppts/AP2-1.pptx
@@ -221,7 +221,7 @@
           <a:effectLst/>
           <a:extLst>
             <a:ext uri="{91240B29-F687-4f45-9708-019B960494DF}">
-              <a14:hiddenLine xmlns:a14="http://schemas.microsoft.com/office/drawing/2010/main" xmlns="" w="9525">
+              <a14:hiddenLine xmlns="" xmlns:a14="http://schemas.microsoft.com/office/drawing/2010/main" w="9525">
                 <a:solidFill>
                   <a:srgbClr val="000000"/>
                 </a:solidFill>
@@ -414,7 +414,7 @@
             <a:fld id="{08B9EBBA-996F-894A-B54A-D6246ED52CEA}" type="datetimeFigureOut">
               <a:rPr lang="en-US" dirty="0"/>
               <a:pPr/>
-              <a:t>12/11/2021</a:t>
+              <a:t>12/19/2021</a:t>
             </a:fld>
             <a:endParaRPr lang="en-US" dirty="0"/>
           </a:p>
@@ -729,7 +729,7 @@
             <a:fld id="{18C79C5D-2A6F-F04D-97DA-BEF2467B64E4}" type="datetimeFigureOut">
               <a:rPr lang="en-US" dirty="0"/>
               <a:pPr/>
-              <a:t>12/11/2021</a:t>
+              <a:t>12/19/2021</a:t>
             </a:fld>
             <a:endParaRPr lang="en-US" dirty="0"/>
           </a:p>
@@ -1214,7 +1214,7 @@
             <a:fld id="{8DFA1846-DA80-1C48-A609-854EA85C59AD}" type="datetimeFigureOut">
               <a:rPr lang="en-US" dirty="0"/>
               <a:pPr/>
-              <a:t>12/11/2021</a:t>
+              <a:t>12/19/2021</a:t>
             </a:fld>
             <a:endParaRPr lang="en-US" dirty="0"/>
           </a:p>
@@ -1580,7 +1580,7 @@
             <a:fld id="{FBF54567-0DE4-3F47-BF90-CB84690072F9}" type="datetimeFigureOut">
               <a:rPr lang="en-US" dirty="0"/>
               <a:pPr/>
-              <a:t>12/11/2021</a:t>
+              <a:t>12/19/2021</a:t>
             </a:fld>
             <a:endParaRPr lang="en-US" dirty="0"/>
           </a:p>
@@ -1731,7 +1731,7 @@
           <a:ln/>
           <a:extLst>
             <a:ext uri="{91240B29-F687-4f45-9708-019B960494DF}">
-              <a14:hiddenLine xmlns:a14="http://schemas.microsoft.com/office/drawing/2010/main" xmlns="" w="9525">
+              <a14:hiddenLine xmlns="" xmlns:a14="http://schemas.microsoft.com/office/drawing/2010/main" w="9525">
                 <a:solidFill>
                   <a:srgbClr val="000000"/>
                 </a:solidFill>
@@ -1850,7 +1850,7 @@
             <a:fld id="{C6C52C72-DE31-F449-A4ED-4C594FD91407}" type="datetimeFigureOut">
               <a:rPr lang="en-US" dirty="0"/>
               <a:pPr/>
-              <a:t>12/11/2021</a:t>
+              <a:t>12/19/2021</a:t>
             </a:fld>
             <a:endParaRPr lang="en-US" dirty="0"/>
           </a:p>
@@ -2003,7 +2003,7 @@
           <a:ln/>
           <a:extLst>
             <a:ext uri="{91240B29-F687-4f45-9708-019B960494DF}">
-              <a14:hiddenLine xmlns:a14="http://schemas.microsoft.com/office/drawing/2010/main" xmlns="" w="9525">
+              <a14:hiddenLine xmlns="" xmlns:a14="http://schemas.microsoft.com/office/drawing/2010/main" w="9525">
                 <a:solidFill>
                   <a:srgbClr val="000000"/>
                 </a:solidFill>
@@ -2132,7 +2132,7 @@
             <a:fld id="{ED62726E-379B-B349-9EED-81ED093FA806}" type="datetimeFigureOut">
               <a:rPr lang="en-US" dirty="0"/>
               <a:pPr/>
-              <a:t>12/11/2021</a:t>
+              <a:t>12/19/2021</a:t>
             </a:fld>
             <a:endParaRPr lang="en-US" dirty="0"/>
           </a:p>
@@ -2283,7 +2283,7 @@
           <a:ln/>
           <a:extLst>
             <a:ext uri="{91240B29-F687-4f45-9708-019B960494DF}">
-              <a14:hiddenLine xmlns:a14="http://schemas.microsoft.com/office/drawing/2010/main" xmlns="" w="9525">
+              <a14:hiddenLine xmlns="" xmlns:a14="http://schemas.microsoft.com/office/drawing/2010/main" w="9525">
                 <a:solidFill>
                   <a:srgbClr val="000000"/>
                 </a:solidFill>
@@ -2412,7 +2412,7 @@
             <a:fld id="{9B3A1323-8D79-1946-B0D7-40001CF92E9D}" type="datetimeFigureOut">
               <a:rPr lang="en-US" dirty="0"/>
               <a:pPr/>
-              <a:t>12/11/2021</a:t>
+              <a:t>12/19/2021</a:t>
             </a:fld>
             <a:endParaRPr lang="en-US" dirty="0"/>
           </a:p>
@@ -2752,7 +2752,7 @@
             <a:fld id="{8DFA1846-DA80-1C48-A609-854EA85C59AD}" type="datetimeFigureOut">
               <a:rPr lang="en-US" dirty="0"/>
               <a:pPr/>
-              <a:t>12/11/2021</a:t>
+              <a:t>12/19/2021</a:t>
             </a:fld>
             <a:endParaRPr lang="en-US" dirty="0"/>
           </a:p>
@@ -2903,7 +2903,7 @@
           <a:ln/>
           <a:extLst>
             <a:ext uri="{91240B29-F687-4f45-9708-019B960494DF}">
-              <a14:hiddenLine xmlns:a14="http://schemas.microsoft.com/office/drawing/2010/main" xmlns="" w="9525">
+              <a14:hiddenLine xmlns="" xmlns:a14="http://schemas.microsoft.com/office/drawing/2010/main" w="9525">
                 <a:solidFill>
                   <a:srgbClr val="000000"/>
                 </a:solidFill>
@@ -3088,7 +3088,7 @@
             <a:fld id="{57302355-E14B-8545-A8F8-0FE83CC9D524}" type="datetimeFigureOut">
               <a:rPr lang="en-US" dirty="0"/>
               <a:pPr/>
-              <a:t>12/11/2021</a:t>
+              <a:t>12/19/2021</a:t>
             </a:fld>
             <a:endParaRPr lang="en-US" dirty="0"/>
           </a:p>
@@ -3239,7 +3239,7 @@
           <a:ln/>
           <a:extLst>
             <a:ext uri="{91240B29-F687-4f45-9708-019B960494DF}">
-              <a14:hiddenLine xmlns:a14="http://schemas.microsoft.com/office/drawing/2010/main" xmlns="" w="9525">
+              <a14:hiddenLine xmlns="" xmlns:a14="http://schemas.microsoft.com/office/drawing/2010/main" w="9525">
                 <a:solidFill>
                   <a:srgbClr val="000000"/>
                 </a:solidFill>
@@ -3562,7 +3562,7 @@
             <a:fld id="{02640F58-564D-2B4F-AE67-E407BA4FCF45}" type="datetimeFigureOut">
               <a:rPr lang="en-US" dirty="0"/>
               <a:pPr/>
-              <a:t>12/11/2021</a:t>
+              <a:t>12/19/2021</a:t>
             </a:fld>
             <a:endParaRPr lang="en-US" dirty="0"/>
           </a:p>
@@ -3713,7 +3713,7 @@
           <a:ln/>
           <a:extLst>
             <a:ext uri="{91240B29-F687-4f45-9708-019B960494DF}">
-              <a14:hiddenLine xmlns:a14="http://schemas.microsoft.com/office/drawing/2010/main" xmlns="" w="9525">
+              <a14:hiddenLine xmlns="" xmlns:a14="http://schemas.microsoft.com/office/drawing/2010/main" w="9525">
                 <a:solidFill>
                   <a:srgbClr val="000000"/>
                 </a:solidFill>
@@ -3780,7 +3780,7 @@
             <a:fld id="{F13A34C8-038E-2045-AF43-DF7DBB8E0E9E}" type="datetimeFigureOut">
               <a:rPr lang="en-US" dirty="0"/>
               <a:pPr/>
-              <a:t>12/11/2021</a:t>
+              <a:t>12/19/2021</a:t>
             </a:fld>
             <a:endParaRPr lang="en-US" dirty="0"/>
           </a:p>
@@ -3872,7 +3872,7 @@
             <a:fld id="{8818C68F-D26B-8F47-958C-23B49CF8A634}" type="datetimeFigureOut">
               <a:rPr lang="en-US" dirty="0"/>
               <a:pPr/>
-              <a:t>12/11/2021</a:t>
+              <a:t>12/19/2021</a:t>
             </a:fld>
             <a:endParaRPr lang="en-US" dirty="0"/>
           </a:p>
@@ -4136,7 +4136,7 @@
           <a:ln/>
           <a:extLst>
             <a:ext uri="{91240B29-F687-4f45-9708-019B960494DF}">
-              <a14:hiddenLine xmlns:a14="http://schemas.microsoft.com/office/drawing/2010/main" xmlns="" w="9525">
+              <a14:hiddenLine xmlns="" xmlns:a14="http://schemas.microsoft.com/office/drawing/2010/main" w="9525">
                 <a:solidFill>
                   <a:srgbClr val="000000"/>
                 </a:solidFill>
@@ -4336,7 +4336,7 @@
             <a:fld id="{D0DF5E60-9974-AC48-9591-99C2BB44B7CF}" type="datetimeFigureOut">
               <a:rPr lang="en-US" dirty="0"/>
               <a:pPr/>
-              <a:t>12/11/2021</a:t>
+              <a:t>12/19/2021</a:t>
             </a:fld>
             <a:endParaRPr lang="en-US" dirty="0"/>
           </a:p>
@@ -4646,7 +4646,7 @@
             <a:fld id="{18C79C5D-2A6F-F04D-97DA-BEF2467B64E4}" type="datetimeFigureOut">
               <a:rPr lang="en-US" dirty="0"/>
               <a:pPr/>
-              <a:t>12/11/2021</a:t>
+              <a:t>12/19/2021</a:t>
             </a:fld>
             <a:endParaRPr lang="en-US" dirty="0"/>
           </a:p>
@@ -4913,7 +4913,7 @@
             <a:fld id="{09B482E8-6E0E-1B4F-B1FD-C69DB9E858D9}" type="datetimeFigureOut">
               <a:rPr lang="en-US" dirty="0"/>
               <a:pPr/>
-              <a:t>12/11/2021</a:t>
+              <a:t>12/19/2021</a:t>
             </a:fld>
             <a:endParaRPr lang="en-US" dirty="0"/>
           </a:p>
@@ -5478,8 +5478,37 @@
                   <a:srgbClr val="FF0000"/>
                 </a:solidFill>
               </a:rPr>
-              <a:t>\u</a:t>
-            </a:r>
+              <a:t>\u  </a:t>
+            </a:r>
+            <a:r>
+              <a:rPr lang="en-US" dirty="0">
+                <a:solidFill>
+                  <a:schemeClr val="tx1"/>
+                </a:solidFill>
+              </a:rPr>
+              <a:t>(</a:t>
+            </a:r>
+            <a:r>
+              <a:rPr lang="en-US" dirty="0" err="1">
+                <a:solidFill>
+                  <a:schemeClr val="tx1"/>
+                </a:solidFill>
+              </a:rPr>
+              <a:t>unicode</a:t>
+            </a:r>
+            <a:r>
+              <a:rPr lang="en-US" dirty="0">
+                <a:solidFill>
+                  <a:schemeClr val="tx1"/>
+                </a:solidFill>
+              </a:rPr>
+              <a:t>)</a:t>
+            </a:r>
+            <a:endParaRPr lang="en-US" dirty="0">
+              <a:solidFill>
+                <a:srgbClr val="FF0000"/>
+              </a:solidFill>
+            </a:endParaRPr>
           </a:p>
         </p:txBody>
       </p:sp>
@@ -6020,6 +6049,36 @@
           </a:prstGeom>
         </p:spPr>
       </p:pic>
+      <p:pic>
+        <p:nvPicPr>
+          <p:cNvPr id="9" name="Picture 8" descr="A picture containing text, pool ball, clipart&#10;&#10;Description automatically generated">
+            <a:extLst>
+              <a:ext uri="{FF2B5EF4-FFF2-40B4-BE49-F238E27FC236}">
+                <a16:creationId xmlns:a16="http://schemas.microsoft.com/office/drawing/2014/main" id="{242B05DD-ED96-4C4B-AEB0-C708E296BF95}"/>
+              </a:ext>
+            </a:extLst>
+          </p:cNvPr>
+          <p:cNvPicPr>
+            <a:picLocks noChangeAspect="1"/>
+          </p:cNvPicPr>
+          <p:nvPr/>
+        </p:nvPicPr>
+        <p:blipFill>
+          <a:blip r:embed="rId4"/>
+          <a:stretch>
+            <a:fillRect/>
+          </a:stretch>
+        </p:blipFill>
+        <p:spPr>
+          <a:xfrm>
+            <a:off x="7826189" y="5375388"/>
+            <a:ext cx="1160929" cy="1160929"/>
+          </a:xfrm>
+          <a:prstGeom prst="rect">
+            <a:avLst/>
+          </a:prstGeom>
+        </p:spPr>
+      </p:pic>
     </p:spTree>
     <p:extLst>
       <p:ext uri="{BB962C8B-B14F-4D97-AF65-F5344CB8AC3E}">
@@ -6173,6 +6232,105 @@
                                         </p:tgtEl>
                                       </p:cBhvr>
                                     </p:animEffect>
+                                  </p:childTnLst>
+                                </p:cTn>
+                              </p:par>
+                            </p:childTnLst>
+                          </p:cTn>
+                        </p:par>
+                      </p:childTnLst>
+                    </p:cTn>
+                  </p:par>
+                  <p:par>
+                    <p:cTn id="14" fill="hold">
+                      <p:stCondLst>
+                        <p:cond delay="indefinite"/>
+                      </p:stCondLst>
+                      <p:childTnLst>
+                        <p:par>
+                          <p:cTn id="15" fill="hold">
+                            <p:stCondLst>
+                              <p:cond delay="0"/>
+                            </p:stCondLst>
+                            <p:childTnLst>
+                              <p:par>
+                                <p:cTn id="16" presetID="42" presetClass="entr" presetSubtype="0" fill="hold" nodeType="clickEffect">
+                                  <p:stCondLst>
+                                    <p:cond delay="0"/>
+                                  </p:stCondLst>
+                                  <p:childTnLst>
+                                    <p:set>
+                                      <p:cBhvr>
+                                        <p:cTn id="17" dur="1" fill="hold">
+                                          <p:stCondLst>
+                                            <p:cond delay="0"/>
+                                          </p:stCondLst>
+                                        </p:cTn>
+                                        <p:tgtEl>
+                                          <p:spTgt spid="9"/>
+                                        </p:tgtEl>
+                                        <p:attrNameLst>
+                                          <p:attrName>style.visibility</p:attrName>
+                                        </p:attrNameLst>
+                                      </p:cBhvr>
+                                      <p:to>
+                                        <p:strVal val="visible"/>
+                                      </p:to>
+                                    </p:set>
+                                    <p:animEffect transition="in" filter="fade">
+                                      <p:cBhvr>
+                                        <p:cTn id="18" dur="1000"/>
+                                        <p:tgtEl>
+                                          <p:spTgt spid="9"/>
+                                        </p:tgtEl>
+                                      </p:cBhvr>
+                                    </p:animEffect>
+                                    <p:anim calcmode="lin" valueType="num">
+                                      <p:cBhvr>
+                                        <p:cTn id="19" dur="1000" fill="hold"/>
+                                        <p:tgtEl>
+                                          <p:spTgt spid="9"/>
+                                        </p:tgtEl>
+                                        <p:attrNameLst>
+                                          <p:attrName>ppt_x</p:attrName>
+                                        </p:attrNameLst>
+                                      </p:cBhvr>
+                                      <p:tavLst>
+                                        <p:tav tm="0">
+                                          <p:val>
+                                            <p:strVal val="#ppt_x"/>
+                                          </p:val>
+                                        </p:tav>
+                                        <p:tav tm="100000">
+                                          <p:val>
+                                            <p:strVal val="#ppt_x"/>
+                                          </p:val>
+                                        </p:tav>
+                                      </p:tavLst>
+                                    </p:anim>
+                                    <p:anim calcmode="lin" valueType="num">
+                                      <p:cBhvr>
+                                        <p:cTn id="20" dur="1000" fill="hold"/>
+                                        <p:tgtEl>
+                                          <p:spTgt spid="9"/>
+                                        </p:tgtEl>
+                                        <p:attrNameLst>
+                                          <p:attrName>ppt_y</p:attrName>
+                                        </p:attrNameLst>
+                                      </p:cBhvr>
+                                      <p:tavLst>
+                                        <p:tav tm="0">
+                                          <p:val>
+                                            <p:strVal val="#ppt_y+.1"/>
+                                          </p:val>
+                                        </p:tav>
+                                        <p:tav tm="100000">
+                                          <p:val>
+                                            <p:strVal val="#ppt_y"/>
+                                          </p:val>
+                                        </p:tav>
+                                      </p:tavLst>
+                                    </p:anim>
                                   </p:childTnLst>
                                 </p:cTn>
                               </p:par>
@@ -7300,11 +7458,11 @@
           <a:lstStyle/>
           <a:p>
             <a:r>
-              <a:rPr lang="en-US" dirty="0" err="1"/>
+              <a:rPr lang="en-US" dirty="0"/>
               <a:t>System.out.</a:t>
             </a:r>
             <a:r>
-              <a:rPr lang="en-US" dirty="0" err="1">
+              <a:rPr lang="en-US" dirty="0">
                 <a:solidFill>
                   <a:srgbClr val="00B050"/>
                 </a:solidFill>
@@ -7313,19 +7471,7 @@
             </a:r>
             <a:r>
               <a:rPr lang="en-US" dirty="0"/>
-              <a:t>(</a:t>
-            </a:r>
-            <a:r>
-              <a:rPr lang="en-US" dirty="0">
-                <a:solidFill>
-                  <a:srgbClr val="00B050"/>
-                </a:solidFill>
-              </a:rPr>
-              <a:t>“Hello, World!”</a:t>
-            </a:r>
-            <a:r>
-              <a:rPr lang="en-US" dirty="0"/>
-              <a:t>)</a:t>
+              <a:t>()</a:t>
             </a:r>
           </a:p>
         </p:txBody>
@@ -8573,8 +8719,21 @@
                   <a:srgbClr val="FF0000"/>
                 </a:solidFill>
               </a:rPr>
-              <a:t>\n</a:t>
-            </a:r>
+              <a:t>\n </a:t>
+            </a:r>
+            <a:r>
+              <a:rPr lang="en-US" dirty="0">
+                <a:solidFill>
+                  <a:schemeClr val="tx1"/>
+                </a:solidFill>
+              </a:rPr>
+              <a:t>(new line)</a:t>
+            </a:r>
+            <a:endParaRPr lang="en-US" dirty="0">
+              <a:solidFill>
+                <a:srgbClr val="FF0000"/>
+              </a:solidFill>
+            </a:endParaRPr>
           </a:p>
         </p:txBody>
       </p:sp>
@@ -8781,8 +8940,21 @@
                   <a:srgbClr val="FF0000"/>
                 </a:solidFill>
               </a:rPr>
-              <a:t>\t</a:t>
-            </a:r>
+              <a:t>\t </a:t>
+            </a:r>
+            <a:r>
+              <a:rPr lang="en-US" dirty="0">
+                <a:solidFill>
+                  <a:schemeClr val="tx1"/>
+                </a:solidFill>
+              </a:rPr>
+              <a:t>(tab)</a:t>
+            </a:r>
+            <a:endParaRPr lang="en-US" dirty="0">
+              <a:solidFill>
+                <a:srgbClr val="FF0000"/>
+              </a:solidFill>
+            </a:endParaRPr>
           </a:p>
         </p:txBody>
       </p:sp>
